--- a/AngularMEAN-TypeScript.pptx
+++ b/AngularMEAN-TypeScript.pptx
@@ -42,11 +42,11 @@
     <p:sldId id="383" r:id="rId33"/>
     <p:sldId id="399" r:id="rId34"/>
     <p:sldId id="384" r:id="rId35"/>
-    <p:sldId id="385" r:id="rId36"/>
-    <p:sldId id="432" r:id="rId37"/>
-    <p:sldId id="386" r:id="rId38"/>
-    <p:sldId id="420" r:id="rId39"/>
-    <p:sldId id="425" r:id="rId40"/>
+    <p:sldId id="425" r:id="rId36"/>
+    <p:sldId id="385" r:id="rId37"/>
+    <p:sldId id="432" r:id="rId38"/>
+    <p:sldId id="386" r:id="rId39"/>
+    <p:sldId id="420" r:id="rId40"/>
     <p:sldId id="400" r:id="rId41"/>
     <p:sldId id="387" r:id="rId42"/>
     <p:sldId id="388" r:id="rId43"/>
@@ -159,7 +159,7 @@
   </p:defaultTextStyle>
   <p:extLst>
     <p:ext uri="{EFAFB233-063F-42B5-8137-9DF3F51BA10A}">
-      <p15:sldGuideLst xmlns="" xmlns:p15="http://schemas.microsoft.com/office/powerpoint/2012/main"/>
+      <p15:sldGuideLst xmlns:p15="http://schemas.microsoft.com/office/powerpoint/2012/main" xmlns=""/>
     </p:ext>
   </p:extLst>
 </p:presentation>
@@ -3187,7 +3187,7 @@
       </p:grpSpPr>
       <p:sp>
         <p:nvSpPr>
-          <p:cNvPr id="2" name="Slide Image Placeholder 1"/>
+          <p:cNvPr id="2" name="Segnaposto immagine diapositiva 1"/>
           <p:cNvSpPr>
             <a:spLocks noGrp="1" noRot="1" noChangeAspect="1"/>
           </p:cNvSpPr>
@@ -3195,16 +3195,11 @@
             <p:ph type="sldImg"/>
           </p:nvPr>
         </p:nvSpPr>
-        <p:spPr>
-          <a:xfrm>
-            <a:off x="685800" y="1143000"/>
-            <a:ext cx="5486400" cy="3086100"/>
-          </a:xfrm>
-        </p:spPr>
-      </p:sp>
-      <p:sp>
-        <p:nvSpPr>
-          <p:cNvPr id="3" name="Notes Placeholder 2"/>
+        <p:spPr/>
+      </p:sp>
+      <p:sp>
+        <p:nvSpPr>
+          <p:cNvPr id="3" name="Segnaposto note 2"/>
           <p:cNvSpPr>
             <a:spLocks noGrp="1"/>
           </p:cNvSpPr>
@@ -3217,41 +3212,139 @@
           <a:bodyPr/>
           <a:lstStyle/>
           <a:p>
-            <a:r>
-              <a:rPr lang="en-US" dirty="0" err="1" smtClean="0"/>
-              <a:t>Aspetta</a:t>
-            </a:r>
-            <a:r>
-              <a:rPr lang="en-US" dirty="0" smtClean="0"/>
-              <a:t> la </a:t>
-            </a:r>
-            <a:r>
-              <a:rPr lang="en-US" dirty="0" err="1" smtClean="0"/>
-              <a:t>prossima</a:t>
-            </a:r>
-            <a:r>
-              <a:rPr lang="en-US" dirty="0" smtClean="0"/>
-              <a:t> slide per </a:t>
-            </a:r>
-            <a:r>
-              <a:rPr lang="en-US" dirty="0" err="1" smtClean="0"/>
-              <a:t>gli</a:t>
-            </a:r>
-            <a:r>
-              <a:rPr lang="en-US" dirty="0" smtClean="0"/>
-              <a:t> </a:t>
-            </a:r>
-            <a:r>
-              <a:rPr lang="en-US" dirty="0" err="1" smtClean="0"/>
-              <a:t>esempi</a:t>
-            </a:r>
-            <a:endParaRPr lang="en-US" dirty="0"/>
+            <a:pPr marL="0" marR="0" indent="0" algn="l" defTabSz="914400" rtl="0" eaLnBrk="1" fontAlgn="auto" latinLnBrk="0" hangingPunct="1">
+              <a:lnSpc>
+                <a:spcPct val="100000"/>
+              </a:lnSpc>
+              <a:spcBef>
+                <a:spcPts val="0"/>
+              </a:spcBef>
+              <a:spcAft>
+                <a:spcPts val="0"/>
+              </a:spcAft>
+              <a:buClrTx/>
+              <a:buSzTx/>
+              <a:buFontTx/>
+              <a:buNone/>
+              <a:tabLst/>
+              <a:defRPr/>
+            </a:pPr>
+            <a:r>
+              <a:rPr lang="it-IT" dirty="0" err="1" smtClean="0"/>
+              <a:t>Example</a:t>
+            </a:r>
+            <a:r>
+              <a:rPr lang="it-IT" dirty="0" smtClean="0"/>
+              <a:t>:</a:t>
+            </a:r>
+          </a:p>
+          <a:p>
+            <a:pPr marL="0" marR="0" indent="0" algn="l" defTabSz="914400" rtl="0" eaLnBrk="1" fontAlgn="auto" latinLnBrk="0" hangingPunct="1">
+              <a:lnSpc>
+                <a:spcPct val="100000"/>
+              </a:lnSpc>
+              <a:spcBef>
+                <a:spcPts val="0"/>
+              </a:spcBef>
+              <a:spcAft>
+                <a:spcPts val="0"/>
+              </a:spcAft>
+              <a:buClrTx/>
+              <a:buSzTx/>
+              <a:buFontTx/>
+              <a:buNone/>
+              <a:tabLst/>
+              <a:defRPr/>
+            </a:pPr>
+            <a:r>
+              <a:rPr lang="it-IT" baseline="0" dirty="0" smtClean="0"/>
+              <a:t>01-Interfaces</a:t>
+            </a:r>
+          </a:p>
+          <a:p>
+            <a:pPr marL="0" marR="0" indent="0" algn="l" defTabSz="914400" rtl="0" eaLnBrk="1" fontAlgn="auto" latinLnBrk="0" hangingPunct="1">
+              <a:lnSpc>
+                <a:spcPct val="100000"/>
+              </a:lnSpc>
+              <a:spcBef>
+                <a:spcPts val="0"/>
+              </a:spcBef>
+              <a:spcAft>
+                <a:spcPts val="0"/>
+              </a:spcAft>
+              <a:buClrTx/>
+              <a:buSzTx/>
+              <a:buFontTx/>
+              <a:buNone/>
+              <a:tabLst/>
+              <a:defRPr/>
+            </a:pPr>
+            <a:r>
+              <a:rPr lang="it-IT" baseline="0" dirty="0" smtClean="0"/>
+              <a:t>  </a:t>
+            </a:r>
+            <a:r>
+              <a:rPr lang="it-IT" sz="1200" dirty="0" err="1" smtClean="0"/>
+              <a:t>interfaces.ts</a:t>
+            </a:r>
+            <a:endParaRPr lang="it-IT" dirty="0" smtClean="0"/>
+          </a:p>
+          <a:p>
+            <a:pPr marL="0" marR="0" indent="0" algn="l" defTabSz="914400" rtl="0" eaLnBrk="1" fontAlgn="auto" latinLnBrk="0" hangingPunct="1">
+              <a:lnSpc>
+                <a:spcPct val="100000"/>
+              </a:lnSpc>
+              <a:spcBef>
+                <a:spcPts val="0"/>
+              </a:spcBef>
+              <a:spcAft>
+                <a:spcPts val="0"/>
+              </a:spcAft>
+              <a:buClrTx/>
+              <a:buSzTx/>
+              <a:buFontTx/>
+              <a:buNone/>
+              <a:tabLst/>
+              <a:defRPr/>
+            </a:pPr>
+            <a:r>
+              <a:rPr lang="it-IT" baseline="0" dirty="0" smtClean="0"/>
+              <a:t>02-Classes</a:t>
+            </a:r>
+          </a:p>
+          <a:p>
+            <a:pPr marL="0" marR="0" indent="0" algn="l" defTabSz="914400" rtl="0" eaLnBrk="1" fontAlgn="auto" latinLnBrk="0" hangingPunct="1">
+              <a:lnSpc>
+                <a:spcPct val="100000"/>
+              </a:lnSpc>
+              <a:spcBef>
+                <a:spcPts val="0"/>
+              </a:spcBef>
+              <a:spcAft>
+                <a:spcPts val="0"/>
+              </a:spcAft>
+              <a:buClrTx/>
+              <a:buSzTx/>
+              <a:buFontTx/>
+              <a:buNone/>
+              <a:tabLst/>
+              <a:defRPr/>
+            </a:pPr>
+            <a:r>
+              <a:rPr lang="it-IT" sz="1200" dirty="0" smtClean="0"/>
+              <a:t>  </a:t>
+            </a:r>
+            <a:r>
+              <a:rPr lang="it-IT" sz="1200" dirty="0" err="1" smtClean="0"/>
+              <a:t>classes-strictNullChecks.ts</a:t>
+            </a:r>
+            <a:endParaRPr lang="it-IT" sz="1200" dirty="0" smtClean="0"/>
           </a:p>
         </p:txBody>
       </p:sp>
       <p:sp>
         <p:nvSpPr>
-          <p:cNvPr id="4" name="Slide Number Placeholder 3"/>
+          <p:cNvPr id="4" name="Segnaposto numero diapositiva 3"/>
           <p:cNvSpPr>
             <a:spLocks noGrp="1"/>
           </p:cNvSpPr>
@@ -3265,7 +3358,7 @@
           <a:lstStyle/>
           <a:p>
             <a:fld id="{C519897D-FFB3-4111-B327-449DADBE2990}" type="slidenum">
-              <a:rPr lang="en-US"/>
+              <a:rPr lang="en-US" smtClean="0"/>
               <a:t>35</a:t>
             </a:fld>
             <a:endParaRPr lang="en-US"/>
@@ -3275,7 +3368,7 @@
     </p:spTree>
     <p:extLst>
       <p:ext uri="{BB962C8B-B14F-4D97-AF65-F5344CB8AC3E}">
-        <p14:creationId xmlns:p14="http://schemas.microsoft.com/office/powerpoint/2010/main" val="1775602718"/>
+        <p14:creationId xmlns:p14="http://schemas.microsoft.com/office/powerpoint/2010/main" val="1578548382"/>
       </p:ext>
     </p:extLst>
   </p:cSld>
@@ -3304,7 +3397,7 @@
       </p:grpSpPr>
       <p:sp>
         <p:nvSpPr>
-          <p:cNvPr id="2" name="Segnaposto immagine diapositiva 1"/>
+          <p:cNvPr id="2" name="Slide Image Placeholder 1"/>
           <p:cNvSpPr>
             <a:spLocks noGrp="1" noRot="1" noChangeAspect="1"/>
           </p:cNvSpPr>
@@ -3312,11 +3405,16 @@
             <p:ph type="sldImg"/>
           </p:nvPr>
         </p:nvSpPr>
-        <p:spPr/>
-      </p:sp>
-      <p:sp>
-        <p:nvSpPr>
-          <p:cNvPr id="3" name="Segnaposto note 2"/>
+        <p:spPr>
+          <a:xfrm>
+            <a:off x="685800" y="1143000"/>
+            <a:ext cx="5486400" cy="3086100"/>
+          </a:xfrm>
+        </p:spPr>
+      </p:sp>
+      <p:sp>
+        <p:nvSpPr>
+          <p:cNvPr id="3" name="Notes Placeholder 2"/>
           <p:cNvSpPr>
             <a:spLocks noGrp="1"/>
           </p:cNvSpPr>
@@ -3329,13 +3427,41 @@
           <a:bodyPr/>
           <a:lstStyle/>
           <a:p>
-            <a:endParaRPr lang="it-IT"/>
+            <a:r>
+              <a:rPr lang="en-US" dirty="0" err="1" smtClean="0"/>
+              <a:t>Aspetta</a:t>
+            </a:r>
+            <a:r>
+              <a:rPr lang="en-US" dirty="0" smtClean="0"/>
+              <a:t> la </a:t>
+            </a:r>
+            <a:r>
+              <a:rPr lang="en-US" dirty="0" err="1" smtClean="0"/>
+              <a:t>prossima</a:t>
+            </a:r>
+            <a:r>
+              <a:rPr lang="en-US" dirty="0" smtClean="0"/>
+              <a:t> slide per </a:t>
+            </a:r>
+            <a:r>
+              <a:rPr lang="en-US" dirty="0" err="1" smtClean="0"/>
+              <a:t>gli</a:t>
+            </a:r>
+            <a:r>
+              <a:rPr lang="en-US" dirty="0" smtClean="0"/>
+              <a:t> </a:t>
+            </a:r>
+            <a:r>
+              <a:rPr lang="en-US" dirty="0" err="1" smtClean="0"/>
+              <a:t>esempi</a:t>
+            </a:r>
+            <a:endParaRPr lang="en-US" dirty="0"/>
           </a:p>
         </p:txBody>
       </p:sp>
       <p:sp>
         <p:nvSpPr>
-          <p:cNvPr id="4" name="Segnaposto numero diapositiva 3"/>
+          <p:cNvPr id="4" name="Slide Number Placeholder 3"/>
           <p:cNvSpPr>
             <a:spLocks noGrp="1"/>
           </p:cNvSpPr>
@@ -3349,7 +3475,7 @@
           <a:lstStyle/>
           <a:p>
             <a:fld id="{C519897D-FFB3-4111-B327-449DADBE2990}" type="slidenum">
-              <a:rPr lang="en-US" smtClean="0"/>
+              <a:rPr lang="en-US"/>
               <a:t>36</a:t>
             </a:fld>
             <a:endParaRPr lang="en-US"/>
@@ -3359,7 +3485,7 @@
     </p:spTree>
     <p:extLst>
       <p:ext uri="{BB962C8B-B14F-4D97-AF65-F5344CB8AC3E}">
-        <p14:creationId xmlns:p14="http://schemas.microsoft.com/office/powerpoint/2010/main" val="2744049708"/>
+        <p14:creationId xmlns:p14="http://schemas.microsoft.com/office/powerpoint/2010/main" val="1775602718"/>
       </p:ext>
     </p:extLst>
   </p:cSld>
@@ -3388,7 +3514,7 @@
       </p:grpSpPr>
       <p:sp>
         <p:nvSpPr>
-          <p:cNvPr id="2" name="Slide Image Placeholder 1"/>
+          <p:cNvPr id="2" name="Segnaposto immagine diapositiva 1"/>
           <p:cNvSpPr>
             <a:spLocks noGrp="1" noRot="1" noChangeAspect="1"/>
           </p:cNvSpPr>
@@ -3396,16 +3522,11 @@
             <p:ph type="sldImg"/>
           </p:nvPr>
         </p:nvSpPr>
-        <p:spPr>
-          <a:xfrm>
-            <a:off x="685800" y="1143000"/>
-            <a:ext cx="5486400" cy="3086100"/>
-          </a:xfrm>
-        </p:spPr>
-      </p:sp>
-      <p:sp>
-        <p:nvSpPr>
-          <p:cNvPr id="3" name="Notes Placeholder 2"/>
+        <p:spPr/>
+      </p:sp>
+      <p:sp>
+        <p:nvSpPr>
+          <p:cNvPr id="3" name="Segnaposto note 2"/>
           <p:cNvSpPr>
             <a:spLocks noGrp="1"/>
           </p:cNvSpPr>
@@ -3418,83 +3539,13 @@
           <a:bodyPr/>
           <a:lstStyle/>
           <a:p>
-            <a:pPr marL="0" marR="0" indent="0" algn="l" defTabSz="914400" rtl="0" eaLnBrk="1" fontAlgn="auto" latinLnBrk="0" hangingPunct="1">
-              <a:lnSpc>
-                <a:spcPct val="100000"/>
-              </a:lnSpc>
-              <a:spcBef>
-                <a:spcPts val="0"/>
-              </a:spcBef>
-              <a:spcAft>
-                <a:spcPts val="0"/>
-              </a:spcAft>
-              <a:buClrTx/>
-              <a:buSzTx/>
-              <a:buFontTx/>
-              <a:buNone/>
-              <a:tabLst/>
-              <a:defRPr/>
-            </a:pPr>
-            <a:r>
-              <a:rPr lang="en-US" dirty="0" err="1" smtClean="0"/>
-              <a:t>Esempio</a:t>
-            </a:r>
-            <a:r>
-              <a:rPr lang="en-US" dirty="0" smtClean="0"/>
-              <a:t>: 02-classes</a:t>
-            </a:r>
-          </a:p>
-          <a:p>
-            <a:pPr marL="0" marR="0" indent="0" algn="l" defTabSz="914400" rtl="0" eaLnBrk="1" fontAlgn="auto" latinLnBrk="0" hangingPunct="1">
-              <a:lnSpc>
-                <a:spcPct val="100000"/>
-              </a:lnSpc>
-              <a:spcBef>
-                <a:spcPts val="0"/>
-              </a:spcBef>
-              <a:spcAft>
-                <a:spcPts val="0"/>
-              </a:spcAft>
-              <a:buClrTx/>
-              <a:buSzTx/>
-              <a:buFontTx/>
-              <a:buNone/>
-              <a:tabLst/>
-              <a:defRPr/>
-            </a:pPr>
-            <a:r>
-              <a:rPr lang="en-US" dirty="0" err="1" smtClean="0"/>
-              <a:t>Classes.ts</a:t>
-            </a:r>
-            <a:endParaRPr lang="en-US" dirty="0" smtClean="0"/>
-          </a:p>
-          <a:p>
-            <a:r>
-              <a:rPr lang="en-US" dirty="0" smtClean="0"/>
-              <a:t>Classes-this-arrow-</a:t>
-            </a:r>
-            <a:r>
-              <a:rPr lang="en-US" dirty="0" err="1" smtClean="0"/>
-              <a:t>function.ts</a:t>
-            </a:r>
-            <a:endParaRPr lang="en-US" dirty="0" smtClean="0"/>
-          </a:p>
-          <a:p>
-            <a:r>
-              <a:rPr lang="en-US" dirty="0" smtClean="0"/>
-              <a:t>Classes-</a:t>
-            </a:r>
-            <a:r>
-              <a:rPr lang="en-US" dirty="0" err="1" smtClean="0"/>
-              <a:t>composition.ts</a:t>
-            </a:r>
-            <a:endParaRPr lang="en-US" dirty="0"/>
+            <a:endParaRPr lang="it-IT"/>
           </a:p>
         </p:txBody>
       </p:sp>
       <p:sp>
         <p:nvSpPr>
-          <p:cNvPr id="4" name="Slide Number Placeholder 3"/>
+          <p:cNvPr id="4" name="Segnaposto numero diapositiva 3"/>
           <p:cNvSpPr>
             <a:spLocks noGrp="1"/>
           </p:cNvSpPr>
@@ -3508,7 +3559,7 @@
           <a:lstStyle/>
           <a:p>
             <a:fld id="{C519897D-FFB3-4111-B327-449DADBE2990}" type="slidenum">
-              <a:rPr lang="en-US"/>
+              <a:rPr lang="en-US" smtClean="0"/>
               <a:t>37</a:t>
             </a:fld>
             <a:endParaRPr lang="en-US"/>
@@ -3518,7 +3569,7 @@
     </p:spTree>
     <p:extLst>
       <p:ext uri="{BB962C8B-B14F-4D97-AF65-F5344CB8AC3E}">
-        <p14:creationId xmlns:p14="http://schemas.microsoft.com/office/powerpoint/2010/main" val="2933734456"/>
+        <p14:creationId xmlns:p14="http://schemas.microsoft.com/office/powerpoint/2010/main" val="2744049708"/>
       </p:ext>
     </p:extLst>
   </p:cSld>
@@ -3547,7 +3598,7 @@
       </p:grpSpPr>
       <p:sp>
         <p:nvSpPr>
-          <p:cNvPr id="2" name="Segnaposto immagine diapositiva 1"/>
+          <p:cNvPr id="2" name="Slide Image Placeholder 1"/>
           <p:cNvSpPr>
             <a:spLocks noGrp="1" noRot="1" noChangeAspect="1"/>
           </p:cNvSpPr>
@@ -3555,11 +3606,16 @@
             <p:ph type="sldImg"/>
           </p:nvPr>
         </p:nvSpPr>
-        <p:spPr/>
-      </p:sp>
-      <p:sp>
-        <p:nvSpPr>
-          <p:cNvPr id="3" name="Segnaposto note 2"/>
+        <p:spPr>
+          <a:xfrm>
+            <a:off x="685800" y="1143000"/>
+            <a:ext cx="5486400" cy="3086100"/>
+          </a:xfrm>
+        </p:spPr>
+      </p:sp>
+      <p:sp>
+        <p:nvSpPr>
+          <p:cNvPr id="3" name="Notes Placeholder 2"/>
           <p:cNvSpPr>
             <a:spLocks noGrp="1"/>
           </p:cNvSpPr>
@@ -3590,8 +3646,12 @@
               <a:defRPr/>
             </a:pPr>
             <a:r>
-              <a:rPr lang="it-IT" dirty="0" smtClean="0"/>
-              <a:t>Esempio:</a:t>
+              <a:rPr lang="en-US" dirty="0" err="1" smtClean="0"/>
+              <a:t>Esempio</a:t>
+            </a:r>
+            <a:r>
+              <a:rPr lang="en-US" dirty="0" smtClean="0"/>
+              <a:t>: 02-classes</a:t>
             </a:r>
           </a:p>
           <a:p>
@@ -3613,43 +3673,38 @@
               <a:defRPr/>
             </a:pPr>
             <a:r>
-              <a:rPr lang="it-IT" dirty="0" smtClean="0"/>
-              <a:t>00-Types</a:t>
-            </a:r>
-          </a:p>
-          <a:p>
-            <a:pPr marL="0" marR="0" indent="0" algn="l" defTabSz="914400" rtl="0" eaLnBrk="1" fontAlgn="auto" latinLnBrk="0" hangingPunct="1">
-              <a:lnSpc>
-                <a:spcPct val="100000"/>
-              </a:lnSpc>
-              <a:spcBef>
-                <a:spcPts val="0"/>
-              </a:spcBef>
-              <a:spcAft>
-                <a:spcPts val="0"/>
-              </a:spcAft>
-              <a:buClrTx/>
-              <a:buSzTx/>
-              <a:buFontTx/>
-              <a:buNone/>
-              <a:tabLst/>
-              <a:defRPr/>
-            </a:pPr>
-            <a:r>
-              <a:rPr lang="it-IT" dirty="0" smtClean="0"/>
-              <a:t>  </a:t>
-            </a:r>
-            <a:r>
-              <a:rPr lang="it-IT" dirty="0" err="1" smtClean="0"/>
-              <a:t>types-strictNullChecks.ts</a:t>
-            </a:r>
-            <a:endParaRPr lang="it-IT" dirty="0" smtClean="0"/>
+              <a:rPr lang="en-US" dirty="0" err="1" smtClean="0"/>
+              <a:t>Classes.ts</a:t>
+            </a:r>
+            <a:endParaRPr lang="en-US" dirty="0" smtClean="0"/>
+          </a:p>
+          <a:p>
+            <a:r>
+              <a:rPr lang="en-US" dirty="0" smtClean="0"/>
+              <a:t>Classes-this-arrow-</a:t>
+            </a:r>
+            <a:r>
+              <a:rPr lang="en-US" dirty="0" err="1" smtClean="0"/>
+              <a:t>function.ts</a:t>
+            </a:r>
+            <a:endParaRPr lang="en-US" dirty="0" smtClean="0"/>
+          </a:p>
+          <a:p>
+            <a:r>
+              <a:rPr lang="en-US" dirty="0" smtClean="0"/>
+              <a:t>Classes-</a:t>
+            </a:r>
+            <a:r>
+              <a:rPr lang="en-US" dirty="0" err="1" smtClean="0"/>
+              <a:t>composition.ts</a:t>
+            </a:r>
+            <a:endParaRPr lang="en-US" dirty="0"/>
           </a:p>
         </p:txBody>
       </p:sp>
       <p:sp>
         <p:nvSpPr>
-          <p:cNvPr id="4" name="Segnaposto numero diapositiva 3"/>
+          <p:cNvPr id="4" name="Slide Number Placeholder 3"/>
           <p:cNvSpPr>
             <a:spLocks noGrp="1"/>
           </p:cNvSpPr>
@@ -3663,7 +3718,7 @@
           <a:lstStyle/>
           <a:p>
             <a:fld id="{C519897D-FFB3-4111-B327-449DADBE2990}" type="slidenum">
-              <a:rPr lang="en-US" smtClean="0"/>
+              <a:rPr lang="en-US"/>
               <a:t>38</a:t>
             </a:fld>
             <a:endParaRPr lang="en-US"/>
@@ -3673,7 +3728,7 @@
     </p:spTree>
     <p:extLst>
       <p:ext uri="{BB962C8B-B14F-4D97-AF65-F5344CB8AC3E}">
-        <p14:creationId xmlns:p14="http://schemas.microsoft.com/office/powerpoint/2010/main" val="2584171242"/>
+        <p14:creationId xmlns:p14="http://schemas.microsoft.com/office/powerpoint/2010/main" val="2933734456"/>
       </p:ext>
     </p:extLst>
   </p:cSld>
@@ -3745,12 +3800,8 @@
               <a:defRPr/>
             </a:pPr>
             <a:r>
-              <a:rPr lang="it-IT" dirty="0" err="1" smtClean="0"/>
-              <a:t>Example</a:t>
-            </a:r>
-            <a:r>
               <a:rPr lang="it-IT" dirty="0" smtClean="0"/>
-              <a:t>:</a:t>
+              <a:t>Esempio:</a:t>
             </a:r>
           </a:p>
           <a:p>
@@ -3772,8 +3823,8 @@
               <a:defRPr/>
             </a:pPr>
             <a:r>
-              <a:rPr lang="it-IT" baseline="0" dirty="0" smtClean="0"/>
-              <a:t>01-Interfaces</a:t>
+              <a:rPr lang="it-IT" dirty="0" smtClean="0"/>
+              <a:t>00-Types</a:t>
             </a:r>
           </a:p>
           <a:p>
@@ -3795,65 +3846,14 @@
               <a:defRPr/>
             </a:pPr>
             <a:r>
-              <a:rPr lang="it-IT" baseline="0" dirty="0" smtClean="0"/>
+              <a:rPr lang="it-IT" dirty="0" smtClean="0"/>
               <a:t>  </a:t>
             </a:r>
             <a:r>
-              <a:rPr lang="it-IT" sz="1200" dirty="0" err="1" smtClean="0"/>
-              <a:t>interfaces.ts</a:t>
+              <a:rPr lang="it-IT" dirty="0" err="1" smtClean="0"/>
+              <a:t>types-strictNullChecks.ts</a:t>
             </a:r>
             <a:endParaRPr lang="it-IT" dirty="0" smtClean="0"/>
-          </a:p>
-          <a:p>
-            <a:pPr marL="0" marR="0" indent="0" algn="l" defTabSz="914400" rtl="0" eaLnBrk="1" fontAlgn="auto" latinLnBrk="0" hangingPunct="1">
-              <a:lnSpc>
-                <a:spcPct val="100000"/>
-              </a:lnSpc>
-              <a:spcBef>
-                <a:spcPts val="0"/>
-              </a:spcBef>
-              <a:spcAft>
-                <a:spcPts val="0"/>
-              </a:spcAft>
-              <a:buClrTx/>
-              <a:buSzTx/>
-              <a:buFontTx/>
-              <a:buNone/>
-              <a:tabLst/>
-              <a:defRPr/>
-            </a:pPr>
-            <a:r>
-              <a:rPr lang="it-IT" baseline="0" dirty="0" smtClean="0"/>
-              <a:t>02-Classes</a:t>
-            </a:r>
-          </a:p>
-          <a:p>
-            <a:pPr marL="0" marR="0" indent="0" algn="l" defTabSz="914400" rtl="0" eaLnBrk="1" fontAlgn="auto" latinLnBrk="0" hangingPunct="1">
-              <a:lnSpc>
-                <a:spcPct val="100000"/>
-              </a:lnSpc>
-              <a:spcBef>
-                <a:spcPts val="0"/>
-              </a:spcBef>
-              <a:spcAft>
-                <a:spcPts val="0"/>
-              </a:spcAft>
-              <a:buClrTx/>
-              <a:buSzTx/>
-              <a:buFontTx/>
-              <a:buNone/>
-              <a:tabLst/>
-              <a:defRPr/>
-            </a:pPr>
-            <a:r>
-              <a:rPr lang="it-IT" sz="1200" dirty="0" smtClean="0"/>
-              <a:t>  </a:t>
-            </a:r>
-            <a:r>
-              <a:rPr lang="it-IT" sz="1200" dirty="0" err="1" smtClean="0"/>
-              <a:t>classes-strictNullChecks.ts</a:t>
-            </a:r>
-            <a:endParaRPr lang="it-IT" sz="1200" dirty="0" smtClean="0"/>
           </a:p>
         </p:txBody>
       </p:sp>
@@ -3883,7 +3883,7 @@
     </p:spTree>
     <p:extLst>
       <p:ext uri="{BB962C8B-B14F-4D97-AF65-F5344CB8AC3E}">
-        <p14:creationId xmlns:p14="http://schemas.microsoft.com/office/powerpoint/2010/main" val="1578548382"/>
+        <p14:creationId xmlns:p14="http://schemas.microsoft.com/office/powerpoint/2010/main" val="2584171242"/>
       </p:ext>
     </p:extLst>
   </p:cSld>
@@ -10508,7 +10508,7 @@
 </file>
 
 <file path=ppt/slides/slide12.xml><?xml version="1.0" encoding="utf-8"?>
-<p:sld xmlns:a="http://schemas.openxmlformats.org/drawingml/2006/main" xmlns:r="http://schemas.openxmlformats.org/officeDocument/2006/relationships" xmlns:p="http://schemas.openxmlformats.org/presentationml/2006/main">
+<p:sld xmlns:a="http://schemas.openxmlformats.org/drawingml/2006/main" xmlns:r="http://schemas.openxmlformats.org/officeDocument/2006/relationships" xmlns:p="http://schemas.openxmlformats.org/presentationml/2006/main" show="0">
   <p:cSld>
     <p:spTree>
       <p:nvGrpSpPr>
@@ -10687,6 +10687,14 @@
   <p:clrMapOvr>
     <a:masterClrMapping/>
   </p:clrMapOvr>
+  <mc:AlternateContent xmlns:mc="http://schemas.openxmlformats.org/markup-compatibility/2006">
+    <mc:Choice xmlns:p14="http://schemas.microsoft.com/office/powerpoint/2010/main" Requires="p14">
+      <p:transition spd="slow" p14:dur="2000"/>
+    </mc:Choice>
+    <mc:Fallback>
+      <p:transition spd="slow"/>
+    </mc:Fallback>
+  </mc:AlternateContent>
   <p:timing>
     <p:tnLst>
       <p:par>
@@ -10731,7 +10739,23 @@
           <a:p>
             <a:r>
               <a:rPr lang="it-IT" dirty="0" smtClean="0"/>
-              <a:t>GIT</a:t>
+              <a:t>A </a:t>
+            </a:r>
+            <a:r>
+              <a:rPr lang="it-IT" dirty="0" err="1" smtClean="0"/>
+              <a:t>version</a:t>
+            </a:r>
+            <a:r>
+              <a:rPr lang="it-IT" dirty="0" smtClean="0"/>
+              <a:t> control </a:t>
+            </a:r>
+            <a:r>
+              <a:rPr lang="it-IT" dirty="0" err="1" smtClean="0"/>
+              <a:t>system</a:t>
+            </a:r>
+            <a:r>
+              <a:rPr lang="it-IT" dirty="0" smtClean="0"/>
+              <a:t>: GIT</a:t>
             </a:r>
             <a:endParaRPr lang="it-IT" dirty="0"/>
           </a:p>
@@ -10862,7 +10886,15 @@
           <a:lstStyle/>
           <a:p>
             <a:r>
-              <a:rPr lang="en-US" dirty="0" err="1"/>
+              <a:rPr lang="en-US" dirty="0" smtClean="0"/>
+              <a:t>A </a:t>
+            </a:r>
+            <a:r>
+              <a:rPr lang="en-US" dirty="0" smtClean="0"/>
+              <a:t>JavaScript runtime: </a:t>
+            </a:r>
+            <a:r>
+              <a:rPr lang="en-US" dirty="0" err="1" smtClean="0"/>
               <a:t>NodeJs</a:t>
             </a:r>
             <a:r>
@@ -11170,8 +11202,12 @@
           <a:lstStyle/>
           <a:p>
             <a:r>
+              <a:rPr lang="en-US" dirty="0" smtClean="0"/>
+              <a:t>An editor: Visual </a:t>
+            </a:r>
+            <a:r>
               <a:rPr lang="en-US" dirty="0"/>
-              <a:t>Visual Studio Code</a:t>
+              <a:t>Studio Code</a:t>
             </a:r>
           </a:p>
         </p:txBody>
@@ -19516,7 +19552,15 @@
                   <a:srgbClr val="404040"/>
                 </a:solidFill>
               </a:rPr>
-              <a:t>Interfaces and Classes</a:t>
+              <a:t>Type Checking, </a:t>
+            </a:r>
+            <a:r>
+              <a:rPr lang="en-US" dirty="0" err="1" smtClean="0">
+                <a:solidFill>
+                  <a:srgbClr val="404040"/>
+                </a:solidFill>
+              </a:rPr>
+              <a:t>Interfaces,Classes</a:t>
             </a:r>
             <a:endParaRPr lang="en-US" dirty="0">
               <a:solidFill>
@@ -20827,6 +20871,313 @@
       </p:grpSpPr>
       <p:sp>
         <p:nvSpPr>
+          <p:cNvPr id="2" name="Titolo 1"/>
+          <p:cNvSpPr>
+            <a:spLocks noGrp="1"/>
+          </p:cNvSpPr>
+          <p:nvPr>
+            <p:ph type="title"/>
+          </p:nvPr>
+        </p:nvSpPr>
+        <p:spPr/>
+        <p:txBody>
+          <a:bodyPr>
+            <a:normAutofit/>
+          </a:bodyPr>
+          <a:lstStyle/>
+          <a:p>
+            <a:r>
+              <a:rPr lang="it-IT" dirty="0" smtClean="0"/>
+              <a:t>Optional </a:t>
+            </a:r>
+            <a:r>
+              <a:rPr lang="it-IT" dirty="0" err="1" smtClean="0"/>
+              <a:t>properties</a:t>
+            </a:r>
+            <a:r>
+              <a:rPr lang="it-IT" dirty="0" smtClean="0"/>
+              <a:t> and </a:t>
+            </a:r>
+            <a:r>
+              <a:rPr lang="it-IT" dirty="0" err="1" smtClean="0"/>
+              <a:t>type</a:t>
+            </a:r>
+            <a:r>
+              <a:rPr lang="it-IT" dirty="0" smtClean="0"/>
+              <a:t> </a:t>
+            </a:r>
+            <a:r>
+              <a:rPr lang="it-IT" dirty="0" err="1" smtClean="0"/>
+              <a:t>checking</a:t>
+            </a:r>
+            <a:r>
+              <a:rPr lang="it-IT" dirty="0" smtClean="0"/>
+              <a:t>…</a:t>
+            </a:r>
+            <a:endParaRPr lang="it-IT" dirty="0"/>
+          </a:p>
+        </p:txBody>
+      </p:sp>
+      <p:sp>
+        <p:nvSpPr>
+          <p:cNvPr id="3" name="Segnaposto contenuto 2"/>
+          <p:cNvSpPr>
+            <a:spLocks noGrp="1"/>
+          </p:cNvSpPr>
+          <p:nvPr>
+            <p:ph idx="1"/>
+          </p:nvPr>
+        </p:nvSpPr>
+        <p:spPr/>
+        <p:txBody>
+          <a:bodyPr>
+            <a:normAutofit/>
+          </a:bodyPr>
+          <a:lstStyle/>
+          <a:p>
+            <a:endParaRPr lang="it-IT" dirty="0" smtClean="0"/>
+          </a:p>
+          <a:p>
+            <a:r>
+              <a:rPr lang="it-IT" sz="5400" dirty="0" err="1"/>
+              <a:t>prop</a:t>
+            </a:r>
+            <a:r>
+              <a:rPr lang="it-IT" sz="5400" dirty="0"/>
+              <a:t>?: T   !</a:t>
+            </a:r>
+            <a:r>
+              <a:rPr lang="it-IT" sz="5400" dirty="0" smtClean="0"/>
+              <a:t>=   </a:t>
+            </a:r>
+            <a:r>
+              <a:rPr lang="it-IT" sz="5400" dirty="0" err="1"/>
+              <a:t>prop</a:t>
+            </a:r>
+            <a:r>
+              <a:rPr lang="it-IT" sz="5400" dirty="0"/>
+              <a:t>: T | </a:t>
+            </a:r>
+            <a:r>
+              <a:rPr lang="it-IT" sz="5400" dirty="0" err="1"/>
+              <a:t>undefined</a:t>
+            </a:r>
+            <a:endParaRPr lang="it-IT" sz="5400" dirty="0"/>
+          </a:p>
+          <a:p>
+            <a:endParaRPr lang="it-IT" dirty="0"/>
+          </a:p>
+          <a:p>
+            <a:r>
+              <a:rPr lang="it-IT" dirty="0" smtClean="0"/>
+              <a:t>The </a:t>
+            </a:r>
+            <a:r>
+              <a:rPr lang="it-IT" dirty="0" err="1" smtClean="0"/>
+              <a:t>Shape</a:t>
+            </a:r>
+            <a:r>
+              <a:rPr lang="it-IT" dirty="0" smtClean="0"/>
+              <a:t> </a:t>
+            </a:r>
+            <a:r>
+              <a:rPr lang="it-IT" dirty="0" err="1" smtClean="0"/>
+              <a:t>matters</a:t>
+            </a:r>
+            <a:r>
+              <a:rPr lang="it-IT" dirty="0" smtClean="0"/>
+              <a:t>, and the ‘?’ </a:t>
+            </a:r>
+            <a:r>
+              <a:rPr lang="it-IT" dirty="0" err="1" smtClean="0"/>
+              <a:t>qualifies</a:t>
+            </a:r>
+            <a:r>
+              <a:rPr lang="it-IT" dirty="0" smtClean="0"/>
+              <a:t> the </a:t>
+            </a:r>
+            <a:r>
+              <a:rPr lang="it-IT" dirty="0" err="1" smtClean="0"/>
+              <a:t>property</a:t>
+            </a:r>
+            <a:r>
+              <a:rPr lang="it-IT" dirty="0" smtClean="0"/>
+              <a:t> </a:t>
+            </a:r>
+            <a:r>
+              <a:rPr lang="it-IT" dirty="0" err="1" smtClean="0"/>
+              <a:t>itself</a:t>
+            </a:r>
+            <a:r>
+              <a:rPr lang="it-IT" dirty="0" smtClean="0"/>
+              <a:t>, </a:t>
+            </a:r>
+            <a:r>
+              <a:rPr lang="it-IT" dirty="0" err="1" smtClean="0"/>
+              <a:t>not</a:t>
+            </a:r>
+            <a:r>
+              <a:rPr lang="it-IT" dirty="0" smtClean="0"/>
+              <a:t> </a:t>
+            </a:r>
+            <a:r>
+              <a:rPr lang="it-IT" dirty="0" err="1" smtClean="0"/>
+              <a:t>its</a:t>
+            </a:r>
+            <a:r>
+              <a:rPr lang="it-IT" dirty="0" smtClean="0"/>
+              <a:t> </a:t>
+            </a:r>
+            <a:r>
+              <a:rPr lang="it-IT" dirty="0" err="1" smtClean="0"/>
+              <a:t>type</a:t>
+            </a:r>
+            <a:r>
+              <a:rPr lang="it-IT" dirty="0" smtClean="0"/>
+              <a:t>!</a:t>
+            </a:r>
+          </a:p>
+          <a:p>
+            <a:endParaRPr lang="it-IT" dirty="0"/>
+          </a:p>
+          <a:p>
+            <a:r>
+              <a:rPr lang="it-IT" dirty="0" err="1" smtClean="0"/>
+              <a:t>Beware</a:t>
+            </a:r>
+            <a:r>
+              <a:rPr lang="it-IT" dirty="0" smtClean="0"/>
+              <a:t>! </a:t>
+            </a:r>
+            <a:r>
+              <a:rPr lang="it-IT" dirty="0" err="1" smtClean="0"/>
+              <a:t>It</a:t>
+            </a:r>
+            <a:r>
+              <a:rPr lang="it-IT" dirty="0" smtClean="0"/>
+              <a:t> can </a:t>
+            </a:r>
+            <a:r>
+              <a:rPr lang="it-IT" dirty="0" err="1" smtClean="0"/>
+              <a:t>lead</a:t>
+            </a:r>
+            <a:r>
+              <a:rPr lang="it-IT" dirty="0" smtClean="0"/>
+              <a:t> to </a:t>
+            </a:r>
+            <a:r>
+              <a:rPr lang="it-IT" dirty="0" err="1" smtClean="0"/>
+              <a:t>runtime</a:t>
+            </a:r>
+            <a:r>
+              <a:rPr lang="it-IT" dirty="0" smtClean="0"/>
+              <a:t> </a:t>
+            </a:r>
+            <a:r>
+              <a:rPr lang="it-IT" dirty="0" err="1" smtClean="0"/>
+              <a:t>errors</a:t>
+            </a:r>
+            <a:r>
+              <a:rPr lang="it-IT" dirty="0" smtClean="0"/>
+              <a:t> under </a:t>
+            </a:r>
+            <a:r>
+              <a:rPr lang="it-IT" dirty="0" err="1" smtClean="0"/>
+              <a:t>normal</a:t>
+            </a:r>
+            <a:r>
+              <a:rPr lang="it-IT" dirty="0" smtClean="0"/>
+              <a:t> </a:t>
+            </a:r>
+            <a:r>
+              <a:rPr lang="it-IT" dirty="0" err="1" smtClean="0"/>
+              <a:t>type</a:t>
+            </a:r>
+            <a:r>
+              <a:rPr lang="it-IT" dirty="0" smtClean="0"/>
+              <a:t> </a:t>
+            </a:r>
+            <a:r>
+              <a:rPr lang="it-IT" dirty="0" err="1" smtClean="0"/>
+              <a:t>checking</a:t>
+            </a:r>
+            <a:r>
+              <a:rPr lang="it-IT" dirty="0" smtClean="0"/>
+              <a:t> </a:t>
+            </a:r>
+            <a:r>
+              <a:rPr lang="it-IT" dirty="0" err="1" smtClean="0"/>
+              <a:t>rules</a:t>
+            </a:r>
+            <a:r>
+              <a:rPr lang="it-IT" dirty="0" smtClean="0"/>
+              <a:t> </a:t>
+            </a:r>
+          </a:p>
+          <a:p>
+            <a:r>
+              <a:rPr lang="it-IT" sz="1500" dirty="0" smtClean="0"/>
+              <a:t>(</a:t>
+            </a:r>
+            <a:r>
+              <a:rPr lang="it-IT" sz="1500" dirty="0" err="1" smtClean="0"/>
+              <a:t>see</a:t>
+            </a:r>
+            <a:r>
+              <a:rPr lang="it-IT" sz="1500" dirty="0" smtClean="0"/>
+              <a:t> ‘</a:t>
+            </a:r>
+            <a:r>
+              <a:rPr lang="it-IT" sz="1500" dirty="0" err="1" smtClean="0"/>
+              <a:t>classes-strictNullChecks.ts</a:t>
+            </a:r>
+            <a:r>
+              <a:rPr lang="it-IT" sz="1500" dirty="0" smtClean="0"/>
+              <a:t>’)</a:t>
+            </a:r>
+            <a:endParaRPr lang="it-IT" sz="1500" dirty="0"/>
+          </a:p>
+        </p:txBody>
+      </p:sp>
+    </p:spTree>
+    <p:extLst>
+      <p:ext uri="{BB962C8B-B14F-4D97-AF65-F5344CB8AC3E}">
+        <p14:creationId xmlns:p14="http://schemas.microsoft.com/office/powerpoint/2010/main" val="2408042976"/>
+      </p:ext>
+    </p:extLst>
+  </p:cSld>
+  <p:clrMapOvr>
+    <a:masterClrMapping/>
+  </p:clrMapOvr>
+  <p:timing>
+    <p:tnLst>
+      <p:par>
+        <p:cTn id="1" dur="indefinite" restart="never" nodeType="tmRoot"/>
+      </p:par>
+    </p:tnLst>
+  </p:timing>
+</p:sld>
+</file>
+
+<file path=ppt/slides/slide36.xml><?xml version="1.0" encoding="utf-8"?>
+<p:sld xmlns:a="http://schemas.openxmlformats.org/drawingml/2006/main" xmlns:r="http://schemas.openxmlformats.org/officeDocument/2006/relationships" xmlns:p="http://schemas.openxmlformats.org/presentationml/2006/main">
+  <p:cSld>
+    <p:spTree>
+      <p:nvGrpSpPr>
+        <p:cNvPr id="1" name=""/>
+        <p:cNvGrpSpPr/>
+        <p:nvPr/>
+      </p:nvGrpSpPr>
+      <p:grpSpPr>
+        <a:xfrm>
+          <a:off x="0" y="0"/>
+          <a:ext cx="0" cy="0"/>
+          <a:chOff x="0" y="0"/>
+          <a:chExt cx="0" cy="0"/>
+        </a:xfrm>
+      </p:grpSpPr>
+      <p:sp>
+        <p:nvSpPr>
           <p:cNvPr id="2" name="Title 1"/>
           <p:cNvSpPr>
             <a:spLocks noGrp="1"/>
@@ -21142,7 +21493,7 @@
 </p:sld>
 </file>
 
-<file path=ppt/slides/slide36.xml><?xml version="1.0" encoding="utf-8"?>
+<file path=ppt/slides/slide37.xml><?xml version="1.0" encoding="utf-8"?>
 <p:sld xmlns:a="http://schemas.openxmlformats.org/drawingml/2006/main" xmlns:r="http://schemas.openxmlformats.org/officeDocument/2006/relationships" xmlns:p="http://schemas.openxmlformats.org/presentationml/2006/main">
   <p:cSld>
     <p:spTree>
@@ -21461,7 +21812,7 @@
 </p:sld>
 </file>
 
-<file path=ppt/slides/slide37.xml><?xml version="1.0" encoding="utf-8"?>
+<file path=ppt/slides/slide38.xml><?xml version="1.0" encoding="utf-8"?>
 <p:sld xmlns:a="http://schemas.openxmlformats.org/drawingml/2006/main" xmlns:r="http://schemas.openxmlformats.org/officeDocument/2006/relationships" xmlns:p="http://schemas.openxmlformats.org/presentationml/2006/main">
   <p:cSld>
     <p:spTree>
@@ -22245,8 +22596,8 @@
 </p:sld>
 </file>
 
-<file path=ppt/slides/slide38.xml><?xml version="1.0" encoding="utf-8"?>
-<p:sld xmlns:a="http://schemas.openxmlformats.org/drawingml/2006/main" xmlns:r="http://schemas.openxmlformats.org/officeDocument/2006/relationships" xmlns:p="http://schemas.openxmlformats.org/presentationml/2006/main">
+<file path=ppt/slides/slide39.xml><?xml version="1.0" encoding="utf-8"?>
+<p:sld xmlns:a="http://schemas.openxmlformats.org/drawingml/2006/main" xmlns:r="http://schemas.openxmlformats.org/officeDocument/2006/relationships" xmlns:p="http://schemas.openxmlformats.org/presentationml/2006/main" show="0">
   <p:cSld>
     <p:spTree>
       <p:nvGrpSpPr>
@@ -22287,11 +22638,15 @@
             </a:r>
             <a:r>
               <a:rPr lang="it-IT" dirty="0" err="1" smtClean="0"/>
-              <a:t>Checks</a:t>
+              <a:t>Check</a:t>
             </a:r>
             <a:r>
               <a:rPr lang="it-IT" dirty="0" smtClean="0"/>
-              <a:t> – </a:t>
+              <a:t> </a:t>
+            </a:r>
+            <a:r>
+              <a:rPr lang="it-IT" dirty="0" smtClean="0"/>
+              <a:t>– </a:t>
             </a:r>
             <a:r>
               <a:rPr lang="it-IT" dirty="0" err="1" smtClean="0"/>
@@ -22897,313 +23252,6 @@
 </p:sld>
 </file>
 
-<file path=ppt/slides/slide39.xml><?xml version="1.0" encoding="utf-8"?>
-<p:sld xmlns:a="http://schemas.openxmlformats.org/drawingml/2006/main" xmlns:r="http://schemas.openxmlformats.org/officeDocument/2006/relationships" xmlns:p="http://schemas.openxmlformats.org/presentationml/2006/main">
-  <p:cSld>
-    <p:spTree>
-      <p:nvGrpSpPr>
-        <p:cNvPr id="1" name=""/>
-        <p:cNvGrpSpPr/>
-        <p:nvPr/>
-      </p:nvGrpSpPr>
-      <p:grpSpPr>
-        <a:xfrm>
-          <a:off x="0" y="0"/>
-          <a:ext cx="0" cy="0"/>
-          <a:chOff x="0" y="0"/>
-          <a:chExt cx="0" cy="0"/>
-        </a:xfrm>
-      </p:grpSpPr>
-      <p:sp>
-        <p:nvSpPr>
-          <p:cNvPr id="2" name="Titolo 1"/>
-          <p:cNvSpPr>
-            <a:spLocks noGrp="1"/>
-          </p:cNvSpPr>
-          <p:nvPr>
-            <p:ph type="title"/>
-          </p:nvPr>
-        </p:nvSpPr>
-        <p:spPr/>
-        <p:txBody>
-          <a:bodyPr>
-            <a:normAutofit/>
-          </a:bodyPr>
-          <a:lstStyle/>
-          <a:p>
-            <a:r>
-              <a:rPr lang="it-IT" dirty="0" smtClean="0"/>
-              <a:t>Optional </a:t>
-            </a:r>
-            <a:r>
-              <a:rPr lang="it-IT" dirty="0" err="1" smtClean="0"/>
-              <a:t>properties</a:t>
-            </a:r>
-            <a:r>
-              <a:rPr lang="it-IT" dirty="0" smtClean="0"/>
-              <a:t> and </a:t>
-            </a:r>
-            <a:r>
-              <a:rPr lang="it-IT" dirty="0" err="1" smtClean="0"/>
-              <a:t>type</a:t>
-            </a:r>
-            <a:r>
-              <a:rPr lang="it-IT" dirty="0" smtClean="0"/>
-              <a:t> </a:t>
-            </a:r>
-            <a:r>
-              <a:rPr lang="it-IT" dirty="0" err="1" smtClean="0"/>
-              <a:t>checking</a:t>
-            </a:r>
-            <a:r>
-              <a:rPr lang="it-IT" dirty="0" smtClean="0"/>
-              <a:t>…</a:t>
-            </a:r>
-            <a:endParaRPr lang="it-IT" dirty="0"/>
-          </a:p>
-        </p:txBody>
-      </p:sp>
-      <p:sp>
-        <p:nvSpPr>
-          <p:cNvPr id="3" name="Segnaposto contenuto 2"/>
-          <p:cNvSpPr>
-            <a:spLocks noGrp="1"/>
-          </p:cNvSpPr>
-          <p:nvPr>
-            <p:ph idx="1"/>
-          </p:nvPr>
-        </p:nvSpPr>
-        <p:spPr/>
-        <p:txBody>
-          <a:bodyPr>
-            <a:normAutofit/>
-          </a:bodyPr>
-          <a:lstStyle/>
-          <a:p>
-            <a:endParaRPr lang="it-IT" dirty="0" smtClean="0"/>
-          </a:p>
-          <a:p>
-            <a:r>
-              <a:rPr lang="it-IT" sz="5400" dirty="0" err="1"/>
-              <a:t>prop</a:t>
-            </a:r>
-            <a:r>
-              <a:rPr lang="it-IT" sz="5400" dirty="0"/>
-              <a:t>?: T   !</a:t>
-            </a:r>
-            <a:r>
-              <a:rPr lang="it-IT" sz="5400" dirty="0" smtClean="0"/>
-              <a:t>=   </a:t>
-            </a:r>
-            <a:r>
-              <a:rPr lang="it-IT" sz="5400" dirty="0" err="1"/>
-              <a:t>prop</a:t>
-            </a:r>
-            <a:r>
-              <a:rPr lang="it-IT" sz="5400" dirty="0"/>
-              <a:t>: T | </a:t>
-            </a:r>
-            <a:r>
-              <a:rPr lang="it-IT" sz="5400" dirty="0" err="1"/>
-              <a:t>undefined</a:t>
-            </a:r>
-            <a:endParaRPr lang="it-IT" sz="5400" dirty="0"/>
-          </a:p>
-          <a:p>
-            <a:endParaRPr lang="it-IT" dirty="0"/>
-          </a:p>
-          <a:p>
-            <a:r>
-              <a:rPr lang="it-IT" dirty="0" smtClean="0"/>
-              <a:t>The </a:t>
-            </a:r>
-            <a:r>
-              <a:rPr lang="it-IT" dirty="0" err="1" smtClean="0"/>
-              <a:t>Shape</a:t>
-            </a:r>
-            <a:r>
-              <a:rPr lang="it-IT" dirty="0" smtClean="0"/>
-              <a:t> </a:t>
-            </a:r>
-            <a:r>
-              <a:rPr lang="it-IT" dirty="0" err="1" smtClean="0"/>
-              <a:t>matters</a:t>
-            </a:r>
-            <a:r>
-              <a:rPr lang="it-IT" dirty="0" smtClean="0"/>
-              <a:t>, and the ‘?’ </a:t>
-            </a:r>
-            <a:r>
-              <a:rPr lang="it-IT" dirty="0" err="1" smtClean="0"/>
-              <a:t>qualifies</a:t>
-            </a:r>
-            <a:r>
-              <a:rPr lang="it-IT" dirty="0" smtClean="0"/>
-              <a:t> the </a:t>
-            </a:r>
-            <a:r>
-              <a:rPr lang="it-IT" dirty="0" err="1" smtClean="0"/>
-              <a:t>property</a:t>
-            </a:r>
-            <a:r>
-              <a:rPr lang="it-IT" dirty="0" smtClean="0"/>
-              <a:t> </a:t>
-            </a:r>
-            <a:r>
-              <a:rPr lang="it-IT" dirty="0" err="1" smtClean="0"/>
-              <a:t>itself</a:t>
-            </a:r>
-            <a:r>
-              <a:rPr lang="it-IT" dirty="0" smtClean="0"/>
-              <a:t>, </a:t>
-            </a:r>
-            <a:r>
-              <a:rPr lang="it-IT" dirty="0" err="1" smtClean="0"/>
-              <a:t>not</a:t>
-            </a:r>
-            <a:r>
-              <a:rPr lang="it-IT" dirty="0" smtClean="0"/>
-              <a:t> </a:t>
-            </a:r>
-            <a:r>
-              <a:rPr lang="it-IT" dirty="0" err="1" smtClean="0"/>
-              <a:t>its</a:t>
-            </a:r>
-            <a:r>
-              <a:rPr lang="it-IT" dirty="0" smtClean="0"/>
-              <a:t> </a:t>
-            </a:r>
-            <a:r>
-              <a:rPr lang="it-IT" dirty="0" err="1" smtClean="0"/>
-              <a:t>type</a:t>
-            </a:r>
-            <a:r>
-              <a:rPr lang="it-IT" dirty="0" smtClean="0"/>
-              <a:t>!</a:t>
-            </a:r>
-          </a:p>
-          <a:p>
-            <a:endParaRPr lang="it-IT" dirty="0"/>
-          </a:p>
-          <a:p>
-            <a:r>
-              <a:rPr lang="it-IT" dirty="0" err="1" smtClean="0"/>
-              <a:t>Beware</a:t>
-            </a:r>
-            <a:r>
-              <a:rPr lang="it-IT" dirty="0" smtClean="0"/>
-              <a:t>! </a:t>
-            </a:r>
-            <a:r>
-              <a:rPr lang="it-IT" dirty="0" err="1" smtClean="0"/>
-              <a:t>It</a:t>
-            </a:r>
-            <a:r>
-              <a:rPr lang="it-IT" dirty="0" smtClean="0"/>
-              <a:t> can </a:t>
-            </a:r>
-            <a:r>
-              <a:rPr lang="it-IT" dirty="0" err="1" smtClean="0"/>
-              <a:t>lead</a:t>
-            </a:r>
-            <a:r>
-              <a:rPr lang="it-IT" dirty="0" smtClean="0"/>
-              <a:t> to </a:t>
-            </a:r>
-            <a:r>
-              <a:rPr lang="it-IT" dirty="0" err="1" smtClean="0"/>
-              <a:t>runtime</a:t>
-            </a:r>
-            <a:r>
-              <a:rPr lang="it-IT" dirty="0" smtClean="0"/>
-              <a:t> </a:t>
-            </a:r>
-            <a:r>
-              <a:rPr lang="it-IT" dirty="0" err="1" smtClean="0"/>
-              <a:t>errors</a:t>
-            </a:r>
-            <a:r>
-              <a:rPr lang="it-IT" dirty="0" smtClean="0"/>
-              <a:t> under </a:t>
-            </a:r>
-            <a:r>
-              <a:rPr lang="it-IT" dirty="0" err="1" smtClean="0"/>
-              <a:t>normal</a:t>
-            </a:r>
-            <a:r>
-              <a:rPr lang="it-IT" dirty="0" smtClean="0"/>
-              <a:t> </a:t>
-            </a:r>
-            <a:r>
-              <a:rPr lang="it-IT" dirty="0" err="1" smtClean="0"/>
-              <a:t>type</a:t>
-            </a:r>
-            <a:r>
-              <a:rPr lang="it-IT" dirty="0" smtClean="0"/>
-              <a:t> </a:t>
-            </a:r>
-            <a:r>
-              <a:rPr lang="it-IT" dirty="0" err="1" smtClean="0"/>
-              <a:t>checking</a:t>
-            </a:r>
-            <a:r>
-              <a:rPr lang="it-IT" dirty="0" smtClean="0"/>
-              <a:t> </a:t>
-            </a:r>
-            <a:r>
-              <a:rPr lang="it-IT" dirty="0" err="1" smtClean="0"/>
-              <a:t>rules</a:t>
-            </a:r>
-            <a:r>
-              <a:rPr lang="it-IT" dirty="0" smtClean="0"/>
-              <a:t> </a:t>
-            </a:r>
-          </a:p>
-          <a:p>
-            <a:r>
-              <a:rPr lang="it-IT" sz="1500" dirty="0" smtClean="0"/>
-              <a:t>(</a:t>
-            </a:r>
-            <a:r>
-              <a:rPr lang="it-IT" sz="1500" dirty="0" err="1" smtClean="0"/>
-              <a:t>see</a:t>
-            </a:r>
-            <a:r>
-              <a:rPr lang="it-IT" sz="1500" dirty="0" smtClean="0"/>
-              <a:t> ‘</a:t>
-            </a:r>
-            <a:r>
-              <a:rPr lang="it-IT" sz="1500" dirty="0" err="1" smtClean="0"/>
-              <a:t>classes-strictNullChecks.ts</a:t>
-            </a:r>
-            <a:r>
-              <a:rPr lang="it-IT" sz="1500" dirty="0" smtClean="0"/>
-              <a:t>’)</a:t>
-            </a:r>
-            <a:endParaRPr lang="it-IT" sz="1500" dirty="0"/>
-          </a:p>
-        </p:txBody>
-      </p:sp>
-    </p:spTree>
-    <p:extLst>
-      <p:ext uri="{BB962C8B-B14F-4D97-AF65-F5344CB8AC3E}">
-        <p14:creationId xmlns:p14="http://schemas.microsoft.com/office/powerpoint/2010/main" val="2408042976"/>
-      </p:ext>
-    </p:extLst>
-  </p:cSld>
-  <p:clrMapOvr>
-    <a:masterClrMapping/>
-  </p:clrMapOvr>
-  <p:timing>
-    <p:tnLst>
-      <p:par>
-        <p:cTn id="1" dur="indefinite" restart="never" nodeType="tmRoot"/>
-      </p:par>
-    </p:tnLst>
-  </p:timing>
-</p:sld>
-</file>
-
 <file path=ppt/slides/slide4.xml><?xml version="1.0" encoding="utf-8"?>
 <p:sld xmlns:a="http://schemas.openxmlformats.org/drawingml/2006/main" xmlns:r="http://schemas.openxmlformats.org/officeDocument/2006/relationships" xmlns:p="http://schemas.openxmlformats.org/presentationml/2006/main">
   <p:cSld>
@@ -23420,7 +23468,7 @@
         <p:spPr/>
         <p:txBody>
           <a:bodyPr>
-            <a:normAutofit lnSpcReduction="10000"/>
+            <a:normAutofit fontScale="92500" lnSpcReduction="10000"/>
           </a:bodyPr>
           <a:lstStyle/>
           <a:p>
@@ -23688,7 +23736,23 @@
             </a:pPr>
             <a:r>
               <a:rPr lang="it-IT" sz="2400" dirty="0" err="1" smtClean="0"/>
-              <a:t>Null</a:t>
+              <a:t>Configure</a:t>
+            </a:r>
+            <a:r>
+              <a:rPr lang="it-IT" sz="2400" dirty="0" smtClean="0"/>
+              <a:t> the compile for the ‘</a:t>
+            </a:r>
+            <a:r>
+              <a:rPr lang="it-IT" sz="2400" dirty="0" err="1" smtClean="0"/>
+              <a:t>level</a:t>
+            </a:r>
+            <a:r>
+              <a:rPr lang="it-IT" sz="2400" dirty="0" smtClean="0"/>
+              <a:t>’ of </a:t>
+            </a:r>
+            <a:r>
+              <a:rPr lang="it-IT" sz="2400" dirty="0" err="1" smtClean="0"/>
+              <a:t>type</a:t>
             </a:r>
             <a:r>
               <a:rPr lang="it-IT" sz="2400" dirty="0" smtClean="0"/>
@@ -23696,15 +23760,15 @@
             </a:r>
             <a:r>
               <a:rPr lang="it-IT" sz="2400" dirty="0" err="1" smtClean="0"/>
-              <a:t>Checks</a:t>
+              <a:t>checking</a:t>
             </a:r>
             <a:r>
               <a:rPr lang="it-IT" sz="2400" dirty="0" smtClean="0"/>
-              <a:t>?! </a:t>
+              <a:t> and </a:t>
             </a:r>
             <a:r>
               <a:rPr lang="it-IT" sz="2400" dirty="0" err="1" smtClean="0"/>
-              <a:t>Choose</a:t>
+              <a:t>null</a:t>
             </a:r>
             <a:r>
               <a:rPr lang="it-IT" sz="2400" dirty="0" smtClean="0"/>
@@ -23712,7 +23776,7 @@
             </a:r>
             <a:r>
               <a:rPr lang="it-IT" sz="2400" dirty="0" err="1" smtClean="0"/>
-              <a:t>what</a:t>
+              <a:t>checking</a:t>
             </a:r>
             <a:r>
               <a:rPr lang="it-IT" sz="2400" dirty="0" smtClean="0"/>
@@ -23724,27 +23788,23 @@
             </a:r>
             <a:r>
               <a:rPr lang="it-IT" sz="2400" dirty="0" smtClean="0"/>
-              <a:t> </a:t>
+              <a:t> desire (</a:t>
             </a:r>
             <a:r>
               <a:rPr lang="it-IT" sz="2400" dirty="0" err="1" smtClean="0"/>
-              <a:t>like</a:t>
+              <a:t>noImplicitAny</a:t>
             </a:r>
             <a:r>
               <a:rPr lang="it-IT" sz="2400" dirty="0" smtClean="0"/>
-              <a:t> the </a:t>
+              <a:t>, </a:t>
             </a:r>
             <a:r>
               <a:rPr lang="it-IT" sz="2400" dirty="0" err="1" smtClean="0"/>
-              <a:t>most</a:t>
+              <a:t>strictNullCheck</a:t>
             </a:r>
             <a:r>
               <a:rPr lang="it-IT" sz="2400" dirty="0" smtClean="0"/>
-              <a:t> and live with </a:t>
-            </a:r>
-            <a:r>
-              <a:rPr lang="it-IT" sz="2400" dirty="0" err="1" smtClean="0"/>
-              <a:t>it!</a:t>
+              <a:t>)!</a:t>
             </a:r>
             <a:endParaRPr lang="it-IT" sz="2400" dirty="0"/>
           </a:p>
@@ -27391,7 +27451,7 @@
 </file>
 
 <file path=ppt/slides/slide6.xml><?xml version="1.0" encoding="utf-8"?>
-<p:sld xmlns:a="http://schemas.openxmlformats.org/drawingml/2006/main" xmlns:r="http://schemas.openxmlformats.org/officeDocument/2006/relationships" xmlns:p="http://schemas.openxmlformats.org/presentationml/2006/main">
+<p:sld xmlns:a="http://schemas.openxmlformats.org/drawingml/2006/main" xmlns:r="http://schemas.openxmlformats.org/officeDocument/2006/relationships" xmlns:p="http://schemas.openxmlformats.org/presentationml/2006/main" show="0">
   <p:cSld>
     <p:spTree>
       <p:nvGrpSpPr>
@@ -27658,11 +27718,6 @@
               </a:rPr>
               <a:t>* Not true anymore in ES2015!</a:t>
             </a:r>
-            <a:endParaRPr lang="en-US" sz="1800" dirty="0">
-              <a:solidFill>
-                <a:schemeClr val="tx1"/>
-              </a:solidFill>
-            </a:endParaRPr>
           </a:p>
         </p:txBody>
       </p:sp>
@@ -27676,6 +27731,14 @@
   <p:clrMapOvr>
     <a:masterClrMapping/>
   </p:clrMapOvr>
+  <mc:AlternateContent xmlns:mc="http://schemas.openxmlformats.org/markup-compatibility/2006">
+    <mc:Choice xmlns:p14="http://schemas.microsoft.com/office/powerpoint/2010/main" Requires="p14">
+      <p:transition spd="slow" p14:dur="2000"/>
+    </mc:Choice>
+    <mc:Fallback>
+      <p:transition spd="slow"/>
+    </mc:Fallback>
+  </mc:AlternateContent>
   <p:timing>
     <p:tnLst>
       <p:par>
@@ -27824,12 +27887,20 @@
               <a:t>It </a:t>
             </a:r>
             <a:r>
+              <a:rPr lang="en-US" sz="2400" dirty="0" smtClean="0">
+                <a:solidFill>
+                  <a:schemeClr val="tx1"/>
+                </a:solidFill>
+              </a:rPr>
+              <a:t>used to lacks </a:t>
+            </a:r>
+            <a:r>
               <a:rPr lang="en-US" sz="2400" dirty="0">
                 <a:solidFill>
                   <a:schemeClr val="tx1"/>
                 </a:solidFill>
               </a:rPr>
-              <a:t>lacks in code </a:t>
+              <a:t>in code </a:t>
             </a:r>
             <a:r>
               <a:rPr lang="en-US" sz="2400" dirty="0" smtClean="0">
@@ -29231,7 +29302,7 @@
   <a:extraClrSchemeLst/>
   <a:extLst>
     <a:ext uri="{05A4C25C-085E-4340-85A3-A5531E510DB2}">
-      <thm15:themeFamily xmlns="" xmlns:thm15="http://schemas.microsoft.com/office/thememl/2012/main" name="Retrospect" id="{5F128B03-DCCA-4EEB-AB3B-CF2899314A46}" vid="{9CC26709-368C-4D72-9060-94E5B3FF3CD6}"/>
+      <thm15:themeFamily xmlns:thm15="http://schemas.microsoft.com/office/thememl/2012/main" xmlns="" name="Retrospect" id="{5F128B03-DCCA-4EEB-AB3B-CF2899314A46}" vid="{9CC26709-368C-4D72-9060-94E5B3FF3CD6}"/>
     </a:ext>
   </a:extLst>
 </a:theme>
@@ -29526,7 +29597,7 @@
   <a:extraClrSchemeLst/>
   <a:extLst>
     <a:ext uri="{05A4C25C-085E-4340-85A3-A5531E510DB2}">
-      <thm15:themeFamily xmlns="" xmlns:thm15="http://schemas.microsoft.com/office/thememl/2012/main" name="Office Theme" id="{62F939B6-93AF-4DB8-9C6B-D6C7DFDC589F}" vid="{4A3C46E8-61CC-4603-A589-7422A47A8E4A}"/>
+      <thm15:themeFamily xmlns:thm15="http://schemas.microsoft.com/office/thememl/2012/main" xmlns="" name="Office Theme" id="{62F939B6-93AF-4DB8-9C6B-D6C7DFDC589F}" vid="{4A3C46E8-61CC-4603-A589-7422A47A8E4A}"/>
     </a:ext>
   </a:extLst>
 </a:theme>
